--- a/Présentation Programme Tram-Train.pptx
+++ b/Présentation Programme Tram-Train.pptx
@@ -1444,13 +1444,13 @@
   <p:clrMapOvr>
     <a:masterClrMapping/>
   </p:clrMapOvr>
-  <mc:AlternateContent xmlns:mc="http://schemas.openxmlformats.org/markup-compatibility/2006">
-    <mc:Choice xmlns:p14="http://schemas.microsoft.com/office/powerpoint/2010/main" Requires="p14">
+  <mc:AlternateContent xmlns:mc="http://schemas.openxmlformats.org/markup-compatibility/2006" xmlns:p14="http://schemas.microsoft.com/office/powerpoint/2010/main">
+    <mc:Choice Requires="p14">
       <p:transition spd="slow" p14:dur="1400">
         <p14:doors dir="vert"/>
       </p:transition>
     </mc:Choice>
-    <mc:Fallback>
+    <mc:Fallback xmlns="">
       <p:transition spd="slow">
         <p:fade/>
       </p:transition>
@@ -1713,13 +1713,13 @@
   <p:clrMapOvr>
     <a:masterClrMapping/>
   </p:clrMapOvr>
-  <mc:AlternateContent xmlns:mc="http://schemas.openxmlformats.org/markup-compatibility/2006">
-    <mc:Choice xmlns:p14="http://schemas.microsoft.com/office/powerpoint/2010/main" Requires="p14">
+  <mc:AlternateContent xmlns:mc="http://schemas.openxmlformats.org/markup-compatibility/2006" xmlns:p14="http://schemas.microsoft.com/office/powerpoint/2010/main">
+    <mc:Choice Requires="p14">
       <p:transition spd="slow" p14:dur="1400">
         <p14:doors dir="vert"/>
       </p:transition>
     </mc:Choice>
-    <mc:Fallback>
+    <mc:Fallback xmlns="">
       <p:transition spd="slow">
         <p:fade/>
       </p:transition>
@@ -1992,13 +1992,13 @@
   <p:clrMapOvr>
     <a:masterClrMapping/>
   </p:clrMapOvr>
-  <mc:AlternateContent xmlns:mc="http://schemas.openxmlformats.org/markup-compatibility/2006">
-    <mc:Choice xmlns:p14="http://schemas.microsoft.com/office/powerpoint/2010/main" Requires="p14">
+  <mc:AlternateContent xmlns:mc="http://schemas.openxmlformats.org/markup-compatibility/2006" xmlns:p14="http://schemas.microsoft.com/office/powerpoint/2010/main">
+    <mc:Choice Requires="p14">
       <p:transition spd="slow" p14:dur="1400">
         <p14:doors dir="vert"/>
       </p:transition>
     </mc:Choice>
-    <mc:Fallback>
+    <mc:Fallback xmlns="">
       <p:transition spd="slow">
         <p:fade/>
       </p:transition>
@@ -2105,13 +2105,13 @@
   <p:clrMapOvr>
     <a:masterClrMapping/>
   </p:clrMapOvr>
-  <mc:AlternateContent xmlns:mc="http://schemas.openxmlformats.org/markup-compatibility/2006">
-    <mc:Choice xmlns:p14="http://schemas.microsoft.com/office/powerpoint/2010/main" Requires="p14">
+  <mc:AlternateContent xmlns:mc="http://schemas.openxmlformats.org/markup-compatibility/2006" xmlns:p14="http://schemas.microsoft.com/office/powerpoint/2010/main">
+    <mc:Choice Requires="p14">
       <p:transition spd="slow" p14:dur="1400">
         <p14:doors dir="vert"/>
       </p:transition>
     </mc:Choice>
-    <mc:Fallback>
+    <mc:Fallback xmlns="">
       <p:transition spd="slow">
         <p:fade/>
       </p:transition>
@@ -2374,13 +2374,13 @@
   <p:clrMapOvr>
     <a:masterClrMapping/>
   </p:clrMapOvr>
-  <mc:AlternateContent xmlns:mc="http://schemas.openxmlformats.org/markup-compatibility/2006">
-    <mc:Choice xmlns:p14="http://schemas.microsoft.com/office/powerpoint/2010/main" Requires="p14">
+  <mc:AlternateContent xmlns:mc="http://schemas.openxmlformats.org/markup-compatibility/2006" xmlns:p14="http://schemas.microsoft.com/office/powerpoint/2010/main">
+    <mc:Choice Requires="p14">
       <p:transition spd="slow" p14:dur="1400">
         <p14:doors dir="vert"/>
       </p:transition>
     </mc:Choice>
-    <mc:Fallback>
+    <mc:Fallback xmlns="">
       <p:transition spd="slow">
         <p:fade/>
       </p:transition>
@@ -2877,13 +2877,13 @@
   <p:clrMapOvr>
     <a:masterClrMapping/>
   </p:clrMapOvr>
-  <mc:AlternateContent xmlns:mc="http://schemas.openxmlformats.org/markup-compatibility/2006">
-    <mc:Choice xmlns:p14="http://schemas.microsoft.com/office/powerpoint/2010/main" Requires="p14">
+  <mc:AlternateContent xmlns:mc="http://schemas.openxmlformats.org/markup-compatibility/2006" xmlns:p14="http://schemas.microsoft.com/office/powerpoint/2010/main">
+    <mc:Choice Requires="p14">
       <p:transition spd="slow" p14:dur="1400">
         <p14:doors dir="vert"/>
       </p:transition>
     </mc:Choice>
-    <mc:Fallback>
+    <mc:Fallback xmlns="">
       <p:transition spd="slow">
         <p:fade/>
       </p:transition>
@@ -3252,13 +3252,13 @@
   <p:clrMapOvr>
     <a:masterClrMapping/>
   </p:clrMapOvr>
-  <mc:AlternateContent xmlns:mc="http://schemas.openxmlformats.org/markup-compatibility/2006">
-    <mc:Choice xmlns:p14="http://schemas.microsoft.com/office/powerpoint/2010/main" Requires="p14">
+  <mc:AlternateContent xmlns:mc="http://schemas.openxmlformats.org/markup-compatibility/2006" xmlns:p14="http://schemas.microsoft.com/office/powerpoint/2010/main">
+    <mc:Choice Requires="p14">
       <p:transition spd="slow" p14:dur="1400">
         <p14:doors dir="vert"/>
       </p:transition>
     </mc:Choice>
-    <mc:Fallback>
+    <mc:Fallback xmlns="">
       <p:transition spd="slow">
         <p:fade/>
       </p:transition>
@@ -3779,13 +3779,13 @@
   <p:clrMapOvr>
     <a:masterClrMapping/>
   </p:clrMapOvr>
-  <mc:AlternateContent xmlns:mc="http://schemas.openxmlformats.org/markup-compatibility/2006">
-    <mc:Choice xmlns:p14="http://schemas.microsoft.com/office/powerpoint/2010/main" Requires="p14">
+  <mc:AlternateContent xmlns:mc="http://schemas.openxmlformats.org/markup-compatibility/2006" xmlns:p14="http://schemas.microsoft.com/office/powerpoint/2010/main">
+    <mc:Choice Requires="p14">
       <p:transition spd="slow" p14:dur="1400">
         <p14:doors dir="vert"/>
       </p:transition>
     </mc:Choice>
-    <mc:Fallback>
+    <mc:Fallback xmlns="">
       <p:transition spd="slow">
         <p:fade/>
       </p:transition>
@@ -3980,13 +3980,13 @@
   <p:clrMapOvr>
     <a:masterClrMapping/>
   </p:clrMapOvr>
-  <mc:AlternateContent xmlns:mc="http://schemas.openxmlformats.org/markup-compatibility/2006">
-    <mc:Choice xmlns:p14="http://schemas.microsoft.com/office/powerpoint/2010/main" Requires="p14">
+  <mc:AlternateContent xmlns:mc="http://schemas.openxmlformats.org/markup-compatibility/2006" xmlns:p14="http://schemas.microsoft.com/office/powerpoint/2010/main">
+    <mc:Choice Requires="p14">
       <p:transition spd="slow" p14:dur="1400">
         <p14:doors dir="vert"/>
       </p:transition>
     </mc:Choice>
-    <mc:Fallback>
+    <mc:Fallback xmlns="">
       <p:transition spd="slow">
         <p:fade/>
       </p:transition>
@@ -4157,13 +4157,13 @@
   <p:clrMapOvr>
     <a:masterClrMapping/>
   </p:clrMapOvr>
-  <mc:AlternateContent xmlns:mc="http://schemas.openxmlformats.org/markup-compatibility/2006">
-    <mc:Choice xmlns:p14="http://schemas.microsoft.com/office/powerpoint/2010/main" Requires="p14">
+  <mc:AlternateContent xmlns:mc="http://schemas.openxmlformats.org/markup-compatibility/2006" xmlns:p14="http://schemas.microsoft.com/office/powerpoint/2010/main">
+    <mc:Choice Requires="p14">
       <p:transition spd="slow" p14:dur="1400">
         <p14:doors dir="vert"/>
       </p:transition>
     </mc:Choice>
-    <mc:Fallback>
+    <mc:Fallback xmlns="">
       <p:transition spd="slow">
         <p:fade/>
       </p:transition>
@@ -4527,13 +4527,13 @@
   <p:clrMapOvr>
     <a:masterClrMapping/>
   </p:clrMapOvr>
-  <mc:AlternateContent xmlns:mc="http://schemas.openxmlformats.org/markup-compatibility/2006">
-    <mc:Choice xmlns:p14="http://schemas.microsoft.com/office/powerpoint/2010/main" Requires="p14">
+  <mc:AlternateContent xmlns:mc="http://schemas.openxmlformats.org/markup-compatibility/2006" xmlns:p14="http://schemas.microsoft.com/office/powerpoint/2010/main">
+    <mc:Choice Requires="p14">
       <p:transition spd="slow" p14:dur="1400">
         <p14:doors dir="vert"/>
       </p:transition>
     </mc:Choice>
-    <mc:Fallback>
+    <mc:Fallback xmlns="">
       <p:transition spd="slow">
         <p:fade/>
       </p:transition>
@@ -4887,13 +4887,13 @@
   <p:clrMapOvr>
     <a:masterClrMapping/>
   </p:clrMapOvr>
-  <mc:AlternateContent xmlns:mc="http://schemas.openxmlformats.org/markup-compatibility/2006">
-    <mc:Choice xmlns:p14="http://schemas.microsoft.com/office/powerpoint/2010/main" Requires="p14">
+  <mc:AlternateContent xmlns:mc="http://schemas.openxmlformats.org/markup-compatibility/2006" xmlns:p14="http://schemas.microsoft.com/office/powerpoint/2010/main">
+    <mc:Choice Requires="p14">
       <p:transition spd="slow" p14:dur="1400">
         <p14:doors dir="vert"/>
       </p:transition>
     </mc:Choice>
-    <mc:Fallback>
+    <mc:Fallback xmlns="">
       <p:transition spd="slow">
         <p:fade/>
       </p:transition>
@@ -5624,13 +5624,13 @@
     <p:sldLayoutId id="2147483672" r:id="rId11"/>
     <p:sldLayoutId id="2147483673" r:id="rId12"/>
   </p:sldLayoutIdLst>
-  <mc:AlternateContent xmlns:mc="http://schemas.openxmlformats.org/markup-compatibility/2006">
-    <mc:Choice xmlns:p14="http://schemas.microsoft.com/office/powerpoint/2010/main" Requires="p14">
+  <mc:AlternateContent xmlns:mc="http://schemas.openxmlformats.org/markup-compatibility/2006" xmlns:p14="http://schemas.microsoft.com/office/powerpoint/2010/main">
+    <mc:Choice Requires="p14">
       <p:transition spd="slow" p14:dur="1400">
         <p14:doors dir="vert"/>
       </p:transition>
     </mc:Choice>
-    <mc:Fallback>
+    <mc:Fallback xmlns="">
       <p:transition spd="slow">
         <p:fade/>
       </p:transition>
@@ -5955,7 +5955,7 @@
   </p:txStyles>
   <p:extLst mod="1">
     <p:ext uri="{27BBF7A9-308A-43DC-89C8-2F10F3537804}">
-      <p15:sldGuideLst xmlns="" xmlns:p15="http://schemas.microsoft.com/office/powerpoint/2012/main">
+      <p15:sldGuideLst xmlns:p15="http://schemas.microsoft.com/office/powerpoint/2012/main" xmlns="">
         <p15:guide id="1" orient="horz" pos="2160" userDrawn="1">
           <p15:clr>
             <a:srgbClr val="F26B43"/>
@@ -6058,13 +6058,13 @@
   <p:clrMapOvr>
     <a:masterClrMapping/>
   </p:clrMapOvr>
-  <mc:AlternateContent xmlns:mc="http://schemas.openxmlformats.org/markup-compatibility/2006">
-    <mc:Choice xmlns:p14="http://schemas.microsoft.com/office/powerpoint/2010/main" Requires="p14">
+  <mc:AlternateContent xmlns:mc="http://schemas.openxmlformats.org/markup-compatibility/2006" xmlns:p14="http://schemas.microsoft.com/office/powerpoint/2010/main">
+    <mc:Choice Requires="p14">
       <p:transition spd="slow" p14:dur="1400">
         <p14:doors dir="vert"/>
       </p:transition>
     </mc:Choice>
-    <mc:Fallback>
+    <mc:Fallback xmlns="">
       <p:transition spd="slow">
         <p:fade/>
       </p:transition>
@@ -6284,13 +6284,13 @@
   <p:clrMapOvr>
     <a:masterClrMapping/>
   </p:clrMapOvr>
-  <mc:AlternateContent xmlns:mc="http://schemas.openxmlformats.org/markup-compatibility/2006">
-    <mc:Choice xmlns:p14="http://schemas.microsoft.com/office/powerpoint/2010/main" Requires="p14">
+  <mc:AlternateContent xmlns:mc="http://schemas.openxmlformats.org/markup-compatibility/2006" xmlns:p14="http://schemas.microsoft.com/office/powerpoint/2010/main">
+    <mc:Choice Requires="p14">
       <p:transition spd="slow" p14:dur="1400">
         <p14:doors dir="vert"/>
       </p:transition>
     </mc:Choice>
-    <mc:Fallback>
+    <mc:Fallback xmlns="">
       <p:transition spd="slow">
         <p:fade/>
       </p:transition>
@@ -6661,13 +6661,13 @@
   <p:clrMapOvr>
     <a:masterClrMapping/>
   </p:clrMapOvr>
-  <mc:AlternateContent xmlns:mc="http://schemas.openxmlformats.org/markup-compatibility/2006">
-    <mc:Choice xmlns:p14="http://schemas.microsoft.com/office/powerpoint/2010/main" Requires="p14">
+  <mc:AlternateContent xmlns:mc="http://schemas.openxmlformats.org/markup-compatibility/2006" xmlns:p14="http://schemas.microsoft.com/office/powerpoint/2010/main">
+    <mc:Choice Requires="p14">
       <p:transition spd="slow" p14:dur="1400">
         <p14:doors dir="vert"/>
       </p:transition>
     </mc:Choice>
-    <mc:Fallback>
+    <mc:Fallback xmlns="">
       <p:transition spd="slow">
         <p:fade/>
       </p:transition>
@@ -6918,13 +6918,13 @@
   <p:clrMapOvr>
     <a:masterClrMapping/>
   </p:clrMapOvr>
-  <mc:AlternateContent xmlns:mc="http://schemas.openxmlformats.org/markup-compatibility/2006">
-    <mc:Choice xmlns:p14="http://schemas.microsoft.com/office/powerpoint/2010/main" Requires="p14">
+  <mc:AlternateContent xmlns:mc="http://schemas.openxmlformats.org/markup-compatibility/2006" xmlns:p14="http://schemas.microsoft.com/office/powerpoint/2010/main">
+    <mc:Choice Requires="p14">
       <p:transition spd="slow" p14:dur="1400">
         <p14:doors dir="vert"/>
       </p:transition>
     </mc:Choice>
-    <mc:Fallback>
+    <mc:Fallback xmlns="">
       <p:transition spd="slow">
         <p:fade/>
       </p:transition>
@@ -7254,13 +7254,13 @@
   <p:clrMapOvr>
     <a:masterClrMapping/>
   </p:clrMapOvr>
-  <mc:AlternateContent xmlns:mc="http://schemas.openxmlformats.org/markup-compatibility/2006">
-    <mc:Choice xmlns:p14="http://schemas.microsoft.com/office/powerpoint/2010/main" Requires="p14">
+  <mc:AlternateContent xmlns:mc="http://schemas.openxmlformats.org/markup-compatibility/2006" xmlns:p14="http://schemas.microsoft.com/office/powerpoint/2010/main">
+    <mc:Choice Requires="p14">
       <p:transition spd="slow" p14:dur="1400">
         <p14:doors dir="vert"/>
       </p:transition>
     </mc:Choice>
-    <mc:Fallback>
+    <mc:Fallback xmlns="">
       <p:transition spd="slow">
         <p:fade/>
       </p:transition>
@@ -7408,11 +7408,7 @@
           <a:p>
             <a:r>
               <a:rPr lang="fr-FR" sz="2800" u="sng" dirty="0"/>
-              <a:t>Xavier </a:t>
-            </a:r>
-            <a:r>
-              <a:rPr lang="fr-FR" sz="2800" u="sng" dirty="0"/>
-              <a:t>Scherrer :</a:t>
+              <a:t>Xavier Scherrer :</a:t>
             </a:r>
           </a:p>
           <a:p>
@@ -7565,13 +7561,13 @@
   <p:clrMapOvr>
     <a:masterClrMapping/>
   </p:clrMapOvr>
-  <mc:AlternateContent xmlns:mc="http://schemas.openxmlformats.org/markup-compatibility/2006">
-    <mc:Choice xmlns:p14="http://schemas.microsoft.com/office/powerpoint/2010/main" Requires="p14">
+  <mc:AlternateContent xmlns:mc="http://schemas.openxmlformats.org/markup-compatibility/2006" xmlns:p14="http://schemas.microsoft.com/office/powerpoint/2010/main">
+    <mc:Choice Requires="p14">
       <p:transition spd="slow" p14:dur="1400">
         <p14:doors dir="vert"/>
       </p:transition>
     </mc:Choice>
-    <mc:Fallback>
+    <mc:Fallback xmlns="">
       <p:transition spd="slow">
         <p:fade/>
       </p:transition>
@@ -7739,8 +7735,13 @@
             </a:pPr>
             <a:r>
               <a:rPr lang="fr-FR" sz="2800" dirty="0" smtClean="0"/>
-              <a:t>Amélioration de notre méthode programmation</a:t>
-            </a:r>
+              <a:t>Amélioration de notre méthode </a:t>
+            </a:r>
+            <a:r>
+              <a:rPr lang="fr-FR" sz="2800" dirty="0" smtClean="0"/>
+              <a:t>de programmation</a:t>
+            </a:r>
+            <a:endParaRPr lang="fr-FR" sz="2800" dirty="0" smtClean="0"/>
           </a:p>
           <a:p>
             <a:pPr marL="457200" indent="-457200">
@@ -7771,13 +7772,13 @@
   <p:clrMapOvr>
     <a:masterClrMapping/>
   </p:clrMapOvr>
-  <mc:AlternateContent xmlns:mc="http://schemas.openxmlformats.org/markup-compatibility/2006">
-    <mc:Choice xmlns:p14="http://schemas.microsoft.com/office/powerpoint/2010/main" Requires="p14">
+  <mc:AlternateContent xmlns:mc="http://schemas.openxmlformats.org/markup-compatibility/2006" xmlns:p14="http://schemas.microsoft.com/office/powerpoint/2010/main">
+    <mc:Choice Requires="p14">
       <p:transition spd="slow" p14:dur="1400">
         <p14:doors dir="vert"/>
       </p:transition>
     </mc:Choice>
-    <mc:Fallback>
+    <mc:Fallback xmlns="">
       <p:transition spd="slow">
         <p:fade/>
       </p:transition>
@@ -8076,13 +8077,13 @@
   <p:clrMapOvr>
     <a:masterClrMapping/>
   </p:clrMapOvr>
-  <mc:AlternateContent xmlns:mc="http://schemas.openxmlformats.org/markup-compatibility/2006">
-    <mc:Choice xmlns:p14="http://schemas.microsoft.com/office/powerpoint/2010/main" Requires="p14">
+  <mc:AlternateContent xmlns:mc="http://schemas.openxmlformats.org/markup-compatibility/2006" xmlns:p14="http://schemas.microsoft.com/office/powerpoint/2010/main">
+    <mc:Choice Requires="p14">
       <p:transition spd="slow" p14:dur="1400">
         <p14:doors dir="vert"/>
       </p:transition>
     </mc:Choice>
-    <mc:Fallback>
+    <mc:Fallback xmlns="">
       <p:transition spd="slow">
         <p:fade/>
       </p:transition>
@@ -8285,13 +8286,13 @@
   <p:clrMapOvr>
     <a:masterClrMapping/>
   </p:clrMapOvr>
-  <mc:AlternateContent xmlns:mc="http://schemas.openxmlformats.org/markup-compatibility/2006">
-    <mc:Choice xmlns:p14="http://schemas.microsoft.com/office/powerpoint/2010/main" Requires="p14">
+  <mc:AlternateContent xmlns:mc="http://schemas.openxmlformats.org/markup-compatibility/2006" xmlns:p14="http://schemas.microsoft.com/office/powerpoint/2010/main">
+    <mc:Choice Requires="p14">
       <p:transition spd="slow" p14:dur="1400">
         <p14:doors dir="vert"/>
       </p:transition>
     </mc:Choice>
-    <mc:Fallback>
+    <mc:Fallback xmlns="">
       <p:transition spd="slow">
         <p:fade/>
       </p:transition>
@@ -8690,13 +8691,13 @@
   <p:clrMapOvr>
     <a:masterClrMapping/>
   </p:clrMapOvr>
-  <mc:AlternateContent xmlns:mc="http://schemas.openxmlformats.org/markup-compatibility/2006">
-    <mc:Choice xmlns:p14="http://schemas.microsoft.com/office/powerpoint/2010/main" Requires="p14">
+  <mc:AlternateContent xmlns:mc="http://schemas.openxmlformats.org/markup-compatibility/2006" xmlns:p14="http://schemas.microsoft.com/office/powerpoint/2010/main">
+    <mc:Choice Requires="p14">
       <p:transition spd="slow" p14:dur="1400">
         <p14:doors dir="vert"/>
       </p:transition>
     </mc:Choice>
-    <mc:Fallback>
+    <mc:Fallback xmlns="">
       <p:transition spd="slow">
         <p:fade/>
       </p:transition>
@@ -9005,13 +9006,13 @@
   <p:clrMapOvr>
     <a:masterClrMapping/>
   </p:clrMapOvr>
-  <mc:AlternateContent xmlns:mc="http://schemas.openxmlformats.org/markup-compatibility/2006">
-    <mc:Choice xmlns:p14="http://schemas.microsoft.com/office/powerpoint/2010/main" Requires="p14">
+  <mc:AlternateContent xmlns:mc="http://schemas.openxmlformats.org/markup-compatibility/2006" xmlns:p14="http://schemas.microsoft.com/office/powerpoint/2010/main">
+    <mc:Choice Requires="p14">
       <p:transition spd="slow" p14:dur="1400">
         <p14:doors dir="vert"/>
       </p:transition>
     </mc:Choice>
-    <mc:Fallback>
+    <mc:Fallback xmlns="">
       <p:transition spd="slow">
         <p:fade/>
       </p:transition>
@@ -9319,13 +9320,13 @@
   <p:clrMapOvr>
     <a:masterClrMapping/>
   </p:clrMapOvr>
-  <mc:AlternateContent xmlns:mc="http://schemas.openxmlformats.org/markup-compatibility/2006">
-    <mc:Choice xmlns:p14="http://schemas.microsoft.com/office/powerpoint/2010/main" Requires="p14">
+  <mc:AlternateContent xmlns:mc="http://schemas.openxmlformats.org/markup-compatibility/2006" xmlns:p14="http://schemas.microsoft.com/office/powerpoint/2010/main">
+    <mc:Choice Requires="p14">
       <p:transition spd="slow" p14:dur="1400">
         <p14:doors dir="vert"/>
       </p:transition>
     </mc:Choice>
-    <mc:Fallback>
+    <mc:Fallback xmlns="">
       <p:transition spd="slow">
         <p:fade/>
       </p:transition>
@@ -9827,13 +9828,13 @@
   <p:clrMapOvr>
     <a:masterClrMapping/>
   </p:clrMapOvr>
-  <mc:AlternateContent xmlns:mc="http://schemas.openxmlformats.org/markup-compatibility/2006">
-    <mc:Choice xmlns:p14="http://schemas.microsoft.com/office/powerpoint/2010/main" Requires="p14">
+  <mc:AlternateContent xmlns:mc="http://schemas.openxmlformats.org/markup-compatibility/2006" xmlns:p14="http://schemas.microsoft.com/office/powerpoint/2010/main">
+    <mc:Choice Requires="p14">
       <p:transition spd="slow" p14:dur="1400">
         <p14:doors dir="vert"/>
       </p:transition>
     </mc:Choice>
-    <mc:Fallback>
+    <mc:Fallback xmlns="">
       <p:transition spd="slow">
         <p:fade/>
       </p:transition>
@@ -10246,13 +10247,13 @@
   <p:clrMapOvr>
     <a:masterClrMapping/>
   </p:clrMapOvr>
-  <mc:AlternateContent xmlns:mc="http://schemas.openxmlformats.org/markup-compatibility/2006">
-    <mc:Choice xmlns:p14="http://schemas.microsoft.com/office/powerpoint/2010/main" Requires="p14">
+  <mc:AlternateContent xmlns:mc="http://schemas.openxmlformats.org/markup-compatibility/2006" xmlns:p14="http://schemas.microsoft.com/office/powerpoint/2010/main">
+    <mc:Choice Requires="p14">
       <p:transition spd="slow" p14:dur="1400">
         <p14:doors dir="vert"/>
       </p:transition>
     </mc:Choice>
-    <mc:Fallback>
+    <mc:Fallback xmlns="">
       <p:transition spd="slow">
         <p:fade/>
       </p:transition>
@@ -10651,13 +10652,13 @@
   <p:clrMapOvr>
     <a:masterClrMapping/>
   </p:clrMapOvr>
-  <mc:AlternateContent xmlns:mc="http://schemas.openxmlformats.org/markup-compatibility/2006">
-    <mc:Choice xmlns:p14="http://schemas.microsoft.com/office/powerpoint/2010/main" Requires="p14">
+  <mc:AlternateContent xmlns:mc="http://schemas.openxmlformats.org/markup-compatibility/2006" xmlns:p14="http://schemas.microsoft.com/office/powerpoint/2010/main">
+    <mc:Choice Requires="p14">
       <p:transition spd="slow" p14:dur="1400">
         <p14:doors dir="vert"/>
       </p:transition>
     </mc:Choice>
-    <mc:Fallback>
+    <mc:Fallback xmlns="">
       <p:transition spd="slow">
         <p:fade/>
       </p:transition>
@@ -11027,7 +11028,7 @@
   <a:extraClrSchemeLst/>
   <a:extLst>
     <a:ext uri="{05A4C25C-085E-4340-85A3-A5531E510DB2}">
-      <thm15:themeFamily xmlns="" xmlns:thm15="http://schemas.microsoft.com/office/thememl/2012/main" name="Office_9533257_TF02787990_TF02787990.potx" id="{ABCB071B-19A3-44BE-B302-F4BBE7E3E2D5}" vid="{F4600F28-01B2-4FC5-9857-5FFF9F08051B}"/>
+      <thm15:themeFamily xmlns:thm15="http://schemas.microsoft.com/office/thememl/2012/main" xmlns="" name="Office_9533257_TF02787990_TF02787990.potx" id="{ABCB071B-19A3-44BE-B302-F4BBE7E3E2D5}" vid="{F4600F28-01B2-4FC5-9857-5FFF9F08051B}"/>
     </a:ext>
   </a:extLst>
 </a:theme>
